--- a/135/slides/ch01/ch01_sec_1_7.pptx
+++ b/135/slides/ch01/ch01_sec_1_7.pptx
@@ -5,7 +5,7 @@
     <p:sldMasterId id="2147483648" r:id="rId1"/>
   </p:sldMasterIdLst>
   <p:notesMasterIdLst>
-    <p:notesMasterId r:id="rId12"/>
+    <p:notesMasterId r:id="rId13"/>
   </p:notesMasterIdLst>
   <p:sldIdLst>
     <p:sldId id="474" r:id="rId2"/>
@@ -14,10 +14,11 @@
     <p:sldId id="422" r:id="rId5"/>
     <p:sldId id="434" r:id="rId6"/>
     <p:sldId id="423" r:id="rId7"/>
-    <p:sldId id="424" r:id="rId8"/>
-    <p:sldId id="426" r:id="rId9"/>
-    <p:sldId id="427" r:id="rId10"/>
-    <p:sldId id="429" r:id="rId11"/>
+    <p:sldId id="475" r:id="rId8"/>
+    <p:sldId id="424" r:id="rId9"/>
+    <p:sldId id="426" r:id="rId10"/>
+    <p:sldId id="427" r:id="rId11"/>
+    <p:sldId id="429" r:id="rId12"/>
   </p:sldIdLst>
   <p:sldSz cx="9144000" cy="6858000" type="screen4x3"/>
   <p:notesSz cx="6858000" cy="9144000"/>
@@ -3534,6 +3535,474 @@
       </p:grpSpPr>
       <p:sp>
         <p:nvSpPr>
+          <p:cNvPr id="77826" name="Rectangle 3"/>
+          <p:cNvSpPr>
+            <a:spLocks noGrp="1" noChangeArrowheads="1"/>
+          </p:cNvSpPr>
+          <p:nvPr>
+            <p:ph type="body" idx="1"/>
+          </p:nvPr>
+        </p:nvSpPr>
+        <p:spPr>
+          <a:xfrm>
+            <a:off x="457200" y="946150"/>
+            <a:ext cx="8686800" cy="4876800"/>
+          </a:xfrm>
+        </p:spPr>
+        <p:txBody>
+          <a:bodyPr/>
+          <a:lstStyle/>
+          <a:p>
+            <a:pPr marL="0" indent="0" eaLnBrk="1" hangingPunct="1">
+              <a:lnSpc>
+                <a:spcPct val="80000"/>
+              </a:lnSpc>
+              <a:buFontTx/>
+              <a:buNone/>
+            </a:pPr>
+            <a:r>
+              <a:rPr lang="en-US" altLang="en-US" sz="2400" b="1" dirty="0"/>
+              <a:t>Step 3    </a:t>
+            </a:r>
+            <a:r>
+              <a:rPr lang="en-US" altLang="en-US" sz="2400" dirty="0"/>
+              <a:t>Describe each subtask in pseudocode.</a:t>
+            </a:r>
+            <a:br>
+              <a:rPr lang="en-US" altLang="en-US" sz="2400" dirty="0"/>
+            </a:br>
+            <a:br>
+              <a:rPr lang="en-US" altLang="en-US" sz="2400" dirty="0"/>
+            </a:br>
+            <a:r>
+              <a:rPr lang="en-US" altLang="en-US" sz="2400" dirty="0"/>
+              <a:t>You will need to arrange the steps so that any intermediate values are computed before they are needed in other computations.</a:t>
+            </a:r>
+          </a:p>
+          <a:p>
+            <a:pPr marL="0" indent="0" eaLnBrk="1" hangingPunct="1">
+              <a:lnSpc>
+                <a:spcPct val="80000"/>
+              </a:lnSpc>
+              <a:buFontTx/>
+              <a:buNone/>
+            </a:pPr>
+            <a:endParaRPr lang="en-US" altLang="en-US" sz="2000" dirty="0"/>
+          </a:p>
+          <a:p>
+            <a:pPr marL="0" indent="0" eaLnBrk="1" hangingPunct="1">
+              <a:lnSpc>
+                <a:spcPct val="80000"/>
+              </a:lnSpc>
+              <a:buFontTx/>
+              <a:buNone/>
+            </a:pPr>
+            <a:r>
+              <a:rPr lang="en-US" altLang="en-US" sz="2000" b="1" dirty="0">
+                <a:latin typeface="Comic Sans MS" panose="030F0702030302020204" pitchFamily="66" charset="0"/>
+              </a:rPr>
+              <a:t>For each car, compute the total cost as follows: </a:t>
+            </a:r>
+          </a:p>
+          <a:p>
+            <a:pPr marL="0" indent="0" eaLnBrk="1" hangingPunct="1">
+              <a:lnSpc>
+                <a:spcPct val="80000"/>
+              </a:lnSpc>
+              <a:buFontTx/>
+              <a:buNone/>
+            </a:pPr>
+            <a:endParaRPr lang="en-US" altLang="en-US" sz="2000" b="1" dirty="0">
+              <a:latin typeface="Comic Sans MS" panose="030F0702030302020204" pitchFamily="66" charset="0"/>
+            </a:endParaRPr>
+          </a:p>
+          <a:p>
+            <a:pPr marL="0" indent="0" eaLnBrk="1" hangingPunct="1">
+              <a:lnSpc>
+                <a:spcPct val="80000"/>
+              </a:lnSpc>
+              <a:buFontTx/>
+              <a:buNone/>
+            </a:pPr>
+            <a:r>
+              <a:rPr lang="en-US" altLang="en-US" sz="2000" b="1" i="1" dirty="0">
+                <a:latin typeface="Comic Sans MS" panose="030F0702030302020204" pitchFamily="66" charset="0"/>
+              </a:rPr>
+              <a:t>       </a:t>
+            </a:r>
+            <a:r>
+              <a:rPr lang="en-US" altLang="en-US" sz="2000" b="1" dirty="0">
+                <a:latin typeface="Comic Sans MS" panose="030F0702030302020204" pitchFamily="66" charset="0"/>
+              </a:rPr>
+              <a:t>annual fuel consumed = annual miles driven / fuel efficiency</a:t>
+            </a:r>
+          </a:p>
+          <a:p>
+            <a:pPr marL="0" indent="0" eaLnBrk="1" hangingPunct="1">
+              <a:lnSpc>
+                <a:spcPct val="80000"/>
+              </a:lnSpc>
+              <a:buFontTx/>
+              <a:buNone/>
+            </a:pPr>
+            <a:r>
+              <a:rPr lang="en-US" altLang="en-US" sz="2000" b="1" dirty="0">
+                <a:latin typeface="Comic Sans MS" panose="030F0702030302020204" pitchFamily="66" charset="0"/>
+              </a:rPr>
+              <a:t>       annual fuel cost = price per gallon x annual fuel consumed </a:t>
+            </a:r>
+          </a:p>
+          <a:p>
+            <a:pPr marL="0" indent="0" eaLnBrk="1" hangingPunct="1">
+              <a:lnSpc>
+                <a:spcPct val="80000"/>
+              </a:lnSpc>
+              <a:buFontTx/>
+              <a:buNone/>
+            </a:pPr>
+            <a:r>
+              <a:rPr lang="en-US" altLang="en-US" sz="2000" b="1" dirty="0">
+                <a:latin typeface="Comic Sans MS" panose="030F0702030302020204" pitchFamily="66" charset="0"/>
+              </a:rPr>
+              <a:t>       operating cost = 10 x annual fuel cost</a:t>
+            </a:r>
+          </a:p>
+          <a:p>
+            <a:pPr marL="0" indent="0" eaLnBrk="1" hangingPunct="1">
+              <a:lnSpc>
+                <a:spcPct val="80000"/>
+              </a:lnSpc>
+              <a:buFontTx/>
+              <a:buNone/>
+            </a:pPr>
+            <a:r>
+              <a:rPr lang="en-US" altLang="en-US" sz="2000" b="1" dirty="0">
+                <a:latin typeface="Comic Sans MS" panose="030F0702030302020204" pitchFamily="66" charset="0"/>
+              </a:rPr>
+              <a:t>       total cost = purchase price + operating cost</a:t>
+            </a:r>
+          </a:p>
+          <a:p>
+            <a:pPr marL="0" indent="0" eaLnBrk="1" hangingPunct="1">
+              <a:lnSpc>
+                <a:spcPct val="80000"/>
+              </a:lnSpc>
+              <a:buFontTx/>
+              <a:buNone/>
+            </a:pPr>
+            <a:endParaRPr lang="en-US" altLang="en-US" sz="2000" b="1" i="1" dirty="0">
+              <a:latin typeface="Comic Sans MS" panose="030F0702030302020204" pitchFamily="66" charset="0"/>
+            </a:endParaRPr>
+          </a:p>
+          <a:p>
+            <a:pPr marL="0" indent="0" eaLnBrk="1" hangingPunct="1">
+              <a:lnSpc>
+                <a:spcPct val="80000"/>
+              </a:lnSpc>
+              <a:buFontTx/>
+              <a:buNone/>
+            </a:pPr>
+            <a:r>
+              <a:rPr lang="en-US" altLang="en-US" sz="2000" b="1" dirty="0">
+                <a:latin typeface="Comic Sans MS" panose="030F0702030302020204" pitchFamily="66" charset="0"/>
+              </a:rPr>
+              <a:t>If total cost1 &lt; total cost2</a:t>
+            </a:r>
+          </a:p>
+          <a:p>
+            <a:pPr marL="0" indent="0" eaLnBrk="1" hangingPunct="1">
+              <a:lnSpc>
+                <a:spcPct val="80000"/>
+              </a:lnSpc>
+              <a:buFontTx/>
+              <a:buNone/>
+            </a:pPr>
+            <a:r>
+              <a:rPr lang="en-US" altLang="en-US" sz="2000" b="1" dirty="0">
+                <a:latin typeface="Comic Sans MS" panose="030F0702030302020204" pitchFamily="66" charset="0"/>
+              </a:rPr>
+              <a:t>       Choose car1</a:t>
+            </a:r>
+          </a:p>
+          <a:p>
+            <a:pPr marL="0" indent="0" eaLnBrk="1" hangingPunct="1">
+              <a:lnSpc>
+                <a:spcPct val="80000"/>
+              </a:lnSpc>
+              <a:buFontTx/>
+              <a:buNone/>
+            </a:pPr>
+            <a:r>
+              <a:rPr lang="en-US" altLang="en-US" sz="2000" b="1" dirty="0">
+                <a:latin typeface="Comic Sans MS" panose="030F0702030302020204" pitchFamily="66" charset="0"/>
+              </a:rPr>
+              <a:t>Else</a:t>
+            </a:r>
+          </a:p>
+          <a:p>
+            <a:pPr marL="0" indent="0" eaLnBrk="1" hangingPunct="1">
+              <a:lnSpc>
+                <a:spcPct val="80000"/>
+              </a:lnSpc>
+              <a:buFontTx/>
+              <a:buNone/>
+            </a:pPr>
+            <a:r>
+              <a:rPr lang="en-US" altLang="en-US" sz="2000" b="1" dirty="0">
+                <a:latin typeface="Comic Sans MS" panose="030F0702030302020204" pitchFamily="66" charset="0"/>
+              </a:rPr>
+              <a:t>       Choose car2</a:t>
+            </a:r>
+            <a:endParaRPr lang="en-US" altLang="en-US" sz="2400" b="1" dirty="0">
+              <a:latin typeface="Comic Sans MS" panose="030F0702030302020204" pitchFamily="66" charset="0"/>
+            </a:endParaRPr>
+          </a:p>
+          <a:p>
+            <a:pPr marL="0" indent="0" eaLnBrk="1" hangingPunct="1">
+              <a:lnSpc>
+                <a:spcPct val="80000"/>
+              </a:lnSpc>
+              <a:buFontTx/>
+              <a:buNone/>
+            </a:pPr>
+            <a:endParaRPr lang="en-US" altLang="en-US" sz="2400" dirty="0"/>
+          </a:p>
+        </p:txBody>
+      </p:sp>
+      <p:sp>
+        <p:nvSpPr>
+          <p:cNvPr id="77827" name="Rectangle 2"/>
+          <p:cNvSpPr>
+            <a:spLocks noGrp="1" noChangeArrowheads="1"/>
+          </p:cNvSpPr>
+          <p:nvPr>
+            <p:ph type="title"/>
+          </p:nvPr>
+        </p:nvSpPr>
+        <p:spPr/>
+        <p:txBody>
+          <a:bodyPr/>
+          <a:lstStyle/>
+          <a:p>
+            <a:pPr eaLnBrk="1" hangingPunct="1"/>
+            <a:r>
+              <a:rPr lang="en-US" altLang="en-US" dirty="0"/>
+              <a:t>Algorithm Pseudocode, Step 3</a:t>
+            </a:r>
+          </a:p>
+        </p:txBody>
+      </p:sp>
+      <p:sp>
+        <p:nvSpPr>
+          <p:cNvPr id="77831" name="Footer Placeholder 3"/>
+          <p:cNvSpPr txBox="1">
+            <a:spLocks noGrp="1"/>
+          </p:cNvSpPr>
+          <p:nvPr/>
+        </p:nvSpPr>
+        <p:spPr bwMode="auto">
+          <a:xfrm>
+            <a:off x="3810000" y="6324600"/>
+            <a:ext cx="5257800" cy="381000"/>
+          </a:xfrm>
+          <a:prstGeom prst="rect">
+            <a:avLst/>
+          </a:prstGeom>
+          <a:noFill/>
+          <a:ln>
+            <a:noFill/>
+          </a:ln>
+          <a:extLst>
+            <a:ext uri="{909E8E84-426E-40DD-AFC4-6F175D3DCCD1}">
+              <a14:hiddenFill xmlns:a14="http://schemas.microsoft.com/office/drawing/2010/main">
+                <a:solidFill>
+                  <a:srgbClr val="FFFFFF"/>
+                </a:solidFill>
+              </a14:hiddenFill>
+            </a:ext>
+            <a:ext uri="{91240B29-F687-4F45-9708-019B960494DF}">
+              <a14:hiddenLine xmlns:a14="http://schemas.microsoft.com/office/drawing/2010/main" w="9525">
+                <a:solidFill>
+                  <a:srgbClr val="000000"/>
+                </a:solidFill>
+                <a:miter lim="800000"/>
+                <a:headEnd/>
+                <a:tailEnd/>
+              </a14:hiddenLine>
+            </a:ext>
+          </a:extLst>
+        </p:spPr>
+        <p:txBody>
+          <a:bodyPr/>
+          <a:lstStyle>
+            <a:lvl1pPr eaLnBrk="0" hangingPunct="0">
+              <a:defRPr sz="2000" b="1" i="1">
+                <a:solidFill>
+                  <a:schemeClr val="tx1"/>
+                </a:solidFill>
+                <a:latin typeface="Courier New" panose="02070309020205020404" pitchFamily="49" charset="0"/>
+                <a:ea typeface="MS PGothic" panose="020B0600070205080204" pitchFamily="34" charset="-128"/>
+              </a:defRPr>
+            </a:lvl1pPr>
+            <a:lvl2pPr marL="37931725" indent="-37474525" eaLnBrk="0" hangingPunct="0">
+              <a:defRPr sz="2000" b="1" i="1">
+                <a:solidFill>
+                  <a:schemeClr val="tx1"/>
+                </a:solidFill>
+                <a:latin typeface="Courier New" panose="02070309020205020404" pitchFamily="49" charset="0"/>
+                <a:ea typeface="MS PGothic" panose="020B0600070205080204" pitchFamily="34" charset="-128"/>
+              </a:defRPr>
+            </a:lvl2pPr>
+            <a:lvl3pPr eaLnBrk="0" hangingPunct="0">
+              <a:defRPr sz="2000" b="1" i="1">
+                <a:solidFill>
+                  <a:schemeClr val="tx1"/>
+                </a:solidFill>
+                <a:latin typeface="Courier New" panose="02070309020205020404" pitchFamily="49" charset="0"/>
+                <a:ea typeface="MS PGothic" panose="020B0600070205080204" pitchFamily="34" charset="-128"/>
+              </a:defRPr>
+            </a:lvl3pPr>
+            <a:lvl4pPr eaLnBrk="0" hangingPunct="0">
+              <a:defRPr sz="2000" b="1" i="1">
+                <a:solidFill>
+                  <a:schemeClr val="tx1"/>
+                </a:solidFill>
+                <a:latin typeface="Courier New" panose="02070309020205020404" pitchFamily="49" charset="0"/>
+                <a:ea typeface="MS PGothic" panose="020B0600070205080204" pitchFamily="34" charset="-128"/>
+              </a:defRPr>
+            </a:lvl4pPr>
+            <a:lvl5pPr eaLnBrk="0" hangingPunct="0">
+              <a:defRPr sz="2000" b="1" i="1">
+                <a:solidFill>
+                  <a:schemeClr val="tx1"/>
+                </a:solidFill>
+                <a:latin typeface="Courier New" panose="02070309020205020404" pitchFamily="49" charset="0"/>
+                <a:ea typeface="MS PGothic" panose="020B0600070205080204" pitchFamily="34" charset="-128"/>
+              </a:defRPr>
+            </a:lvl5pPr>
+            <a:lvl6pPr marL="457200" eaLnBrk="0" fontAlgn="base" hangingPunct="0">
+              <a:spcBef>
+                <a:spcPct val="0"/>
+              </a:spcBef>
+              <a:spcAft>
+                <a:spcPct val="0"/>
+              </a:spcAft>
+              <a:defRPr sz="2000" b="1" i="1">
+                <a:solidFill>
+                  <a:schemeClr val="tx1"/>
+                </a:solidFill>
+                <a:latin typeface="Courier New" panose="02070309020205020404" pitchFamily="49" charset="0"/>
+                <a:ea typeface="MS PGothic" panose="020B0600070205080204" pitchFamily="34" charset="-128"/>
+              </a:defRPr>
+            </a:lvl6pPr>
+            <a:lvl7pPr marL="914400" eaLnBrk="0" fontAlgn="base" hangingPunct="0">
+              <a:spcBef>
+                <a:spcPct val="0"/>
+              </a:spcBef>
+              <a:spcAft>
+                <a:spcPct val="0"/>
+              </a:spcAft>
+              <a:defRPr sz="2000" b="1" i="1">
+                <a:solidFill>
+                  <a:schemeClr val="tx1"/>
+                </a:solidFill>
+                <a:latin typeface="Courier New" panose="02070309020205020404" pitchFamily="49" charset="0"/>
+                <a:ea typeface="MS PGothic" panose="020B0600070205080204" pitchFamily="34" charset="-128"/>
+              </a:defRPr>
+            </a:lvl7pPr>
+            <a:lvl8pPr marL="1371600" eaLnBrk="0" fontAlgn="base" hangingPunct="0">
+              <a:spcBef>
+                <a:spcPct val="0"/>
+              </a:spcBef>
+              <a:spcAft>
+                <a:spcPct val="0"/>
+              </a:spcAft>
+              <a:defRPr sz="2000" b="1" i="1">
+                <a:solidFill>
+                  <a:schemeClr val="tx1"/>
+                </a:solidFill>
+                <a:latin typeface="Courier New" panose="02070309020205020404" pitchFamily="49" charset="0"/>
+                <a:ea typeface="MS PGothic" panose="020B0600070205080204" pitchFamily="34" charset="-128"/>
+              </a:defRPr>
+            </a:lvl8pPr>
+            <a:lvl9pPr marL="1828800" eaLnBrk="0" fontAlgn="base" hangingPunct="0">
+              <a:spcBef>
+                <a:spcPct val="0"/>
+              </a:spcBef>
+              <a:spcAft>
+                <a:spcPct val="0"/>
+              </a:spcAft>
+              <a:defRPr sz="2000" b="1" i="1">
+                <a:solidFill>
+                  <a:schemeClr val="tx1"/>
+                </a:solidFill>
+                <a:latin typeface="Courier New" panose="02070309020205020404" pitchFamily="49" charset="0"/>
+                <a:ea typeface="MS PGothic" panose="020B0600070205080204" pitchFamily="34" charset="-128"/>
+              </a:defRPr>
+            </a:lvl9pPr>
+          </a:lstStyle>
+          <a:p>
+            <a:pPr algn="r" eaLnBrk="1" hangingPunct="1"/>
+            <a:r>
+              <a:rPr lang="en-US" altLang="en-US" sz="1200" b="0" dirty="0">
+                <a:latin typeface="Arial" panose="020B0604020202020204" pitchFamily="34" charset="0"/>
+              </a:rPr>
+              <a:t>Big C++ by </a:t>
+            </a:r>
+            <a:r>
+              <a:rPr lang="en-US" altLang="en-US" sz="1200" b="0" i="0" dirty="0">
+                <a:latin typeface="Arial" panose="020B0604020202020204" pitchFamily="34" charset="0"/>
+              </a:rPr>
+              <a:t>Cay </a:t>
+            </a:r>
+            <a:r>
+              <a:rPr lang="en-US" altLang="en-US" sz="1200" b="0" i="0" dirty="0" err="1">
+                <a:latin typeface="Arial" panose="020B0604020202020204" pitchFamily="34" charset="0"/>
+              </a:rPr>
+              <a:t>Horstmann</a:t>
+            </a:r>
+            <a:endParaRPr lang="en-US" altLang="en-US" sz="1200" b="0" i="0" dirty="0">
+              <a:latin typeface="Arial" panose="020B0604020202020204" pitchFamily="34" charset="0"/>
+            </a:endParaRPr>
+          </a:p>
+          <a:p>
+            <a:pPr algn="r" eaLnBrk="1" hangingPunct="1"/>
+            <a:r>
+              <a:rPr lang="en-US" altLang="en-US" sz="1200" b="0" i="0" dirty="0">
+                <a:latin typeface="Arial" panose="020B0604020202020204" pitchFamily="34" charset="0"/>
+              </a:rPr>
+              <a:t>Copyright © 2017 by John Wiley &amp; Sons. All rights reserved</a:t>
+            </a:r>
+          </a:p>
+        </p:txBody>
+      </p:sp>
+    </p:spTree>
+  </p:cSld>
+  <p:clrMapOvr>
+    <a:masterClrMapping/>
+  </p:clrMapOvr>
+</p:sld>
+</file>
+
+<file path=ppt/slides/slide11.xml><?xml version="1.0" encoding="utf-8"?>
+<p:sld xmlns:a="http://schemas.openxmlformats.org/drawingml/2006/main" xmlns:r="http://schemas.openxmlformats.org/officeDocument/2006/relationships" xmlns:p="http://schemas.openxmlformats.org/presentationml/2006/main">
+  <p:cSld>
+    <p:spTree>
+      <p:nvGrpSpPr>
+        <p:cNvPr id="1" name=""/>
+        <p:cNvGrpSpPr/>
+        <p:nvPr/>
+      </p:nvGrpSpPr>
+      <p:grpSpPr>
+        <a:xfrm>
+          <a:off x="0" y="0"/>
+          <a:ext cx="0" cy="0"/>
+          <a:chOff x="0" y="0"/>
+          <a:chExt cx="0" cy="0"/>
+        </a:xfrm>
+      </p:grpSpPr>
+      <p:sp>
+        <p:nvSpPr>
           <p:cNvPr id="79874" name="Rectangle 2"/>
           <p:cNvSpPr>
             <a:spLocks noGrp="1" noChangeArrowheads="1"/>
@@ -3751,7 +4220,7 @@
         </p:nvSpPr>
         <p:spPr>
           <a:xfrm>
-            <a:off x="457200" y="933450"/>
+            <a:off x="317500" y="838200"/>
             <a:ext cx="8686800" cy="5867400"/>
           </a:xfrm>
         </p:spPr>
@@ -4018,6 +4487,36 @@
           </a:p>
         </p:txBody>
       </p:sp>
+      <p:pic>
+        <p:nvPicPr>
+          <p:cNvPr id="4" name="Picture 3">
+            <a:extLst>
+              <a:ext uri="{FF2B5EF4-FFF2-40B4-BE49-F238E27FC236}">
+                <a16:creationId xmlns:a16="http://schemas.microsoft.com/office/drawing/2014/main" id="{F715E77A-A041-8F4B-B747-A39CB14EBCB4}"/>
+              </a:ext>
+            </a:extLst>
+          </p:cNvPr>
+          <p:cNvPicPr>
+            <a:picLocks noChangeAspect="1"/>
+          </p:cNvPicPr>
+          <p:nvPr/>
+        </p:nvPicPr>
+        <p:blipFill>
+          <a:blip r:embed="rId2"/>
+          <a:stretch>
+            <a:fillRect/>
+          </a:stretch>
+        </p:blipFill>
+        <p:spPr>
+          <a:xfrm>
+            <a:off x="4660900" y="1346200"/>
+            <a:ext cx="4025900" cy="812800"/>
+          </a:xfrm>
+          <a:prstGeom prst="rect">
+            <a:avLst/>
+          </a:prstGeom>
+        </p:spPr>
+      </p:pic>
     </p:spTree>
   </p:cSld>
   <p:clrMapOvr>
@@ -5704,7 +6203,7 @@
             </a:pPr>
             <a:r>
               <a:rPr lang="en-US" altLang="en-US" sz="2400" dirty="0"/>
-              <a:t>Assume a price of gas is $4 per gallon and usage of 15,000 miles per year.</a:t>
+              <a:t>Assume average price of gas is $4 per gallon and usage of 15,000 miles per year.</a:t>
             </a:r>
           </a:p>
           <a:p>
@@ -5933,6 +6432,370 @@
 </file>
 
 <file path=ppt/slides/slide7.xml><?xml version="1.0" encoding="utf-8"?>
+<p:sld xmlns:a="http://schemas.openxmlformats.org/drawingml/2006/main" xmlns:r="http://schemas.openxmlformats.org/officeDocument/2006/relationships" xmlns:p="http://schemas.openxmlformats.org/presentationml/2006/main">
+  <p:cSld>
+    <p:spTree>
+      <p:nvGrpSpPr>
+        <p:cNvPr id="1" name=""/>
+        <p:cNvGrpSpPr/>
+        <p:nvPr/>
+      </p:nvGrpSpPr>
+      <p:grpSpPr>
+        <a:xfrm>
+          <a:off x="0" y="0"/>
+          <a:ext cx="0" cy="0"/>
+          <a:chOff x="0" y="0"/>
+          <a:chExt cx="0" cy="0"/>
+        </a:xfrm>
+      </p:grpSpPr>
+      <p:sp>
+        <p:nvSpPr>
+          <p:cNvPr id="2" name="Title 1">
+            <a:extLst>
+              <a:ext uri="{FF2B5EF4-FFF2-40B4-BE49-F238E27FC236}">
+                <a16:creationId xmlns:a16="http://schemas.microsoft.com/office/drawing/2014/main" id="{380316FD-2DA0-614C-8660-ECB2CACD6144}"/>
+              </a:ext>
+            </a:extLst>
+          </p:cNvPr>
+          <p:cNvSpPr>
+            <a:spLocks noGrp="1"/>
+          </p:cNvSpPr>
+          <p:nvPr>
+            <p:ph type="title"/>
+          </p:nvPr>
+        </p:nvSpPr>
+        <p:spPr/>
+        <p:txBody>
+          <a:bodyPr/>
+          <a:lstStyle/>
+          <a:p>
+            <a:r>
+              <a:rPr lang="en-US" dirty="0"/>
+              <a:t>Examples of Two Cars</a:t>
+            </a:r>
+          </a:p>
+        </p:txBody>
+      </p:sp>
+      <p:sp>
+        <p:nvSpPr>
+          <p:cNvPr id="3" name="Content Placeholder 2">
+            <a:extLst>
+              <a:ext uri="{FF2B5EF4-FFF2-40B4-BE49-F238E27FC236}">
+                <a16:creationId xmlns:a16="http://schemas.microsoft.com/office/drawing/2014/main" id="{691C55D2-8818-4947-8ED9-B70A01BFC5D6}"/>
+              </a:ext>
+            </a:extLst>
+          </p:cNvPr>
+          <p:cNvSpPr>
+            <a:spLocks noGrp="1"/>
+          </p:cNvSpPr>
+          <p:nvPr>
+            <p:ph idx="1"/>
+          </p:nvPr>
+        </p:nvSpPr>
+        <p:spPr>
+          <a:xfrm>
+            <a:off x="457200" y="825500"/>
+            <a:ext cx="8229600" cy="5359400"/>
+          </a:xfrm>
+        </p:spPr>
+        <p:txBody>
+          <a:bodyPr/>
+          <a:lstStyle/>
+          <a:p>
+            <a:endParaRPr lang="en-US" dirty="0"/>
+          </a:p>
+          <a:p>
+            <a:endParaRPr lang="en-US" dirty="0"/>
+          </a:p>
+          <a:p>
+            <a:r>
+              <a:rPr lang="en-US" sz="3000" dirty="0"/>
+              <a:t>Drive 15000 miles each year in ten years. Average $4 per gallon.</a:t>
+            </a:r>
+          </a:p>
+          <a:p>
+            <a:pPr lvl="1"/>
+            <a:r>
+              <a:rPr lang="en-US" sz="2600" dirty="0"/>
+              <a:t>Car 1 uses 15000 / 50 = 300 gallons annually. Annual gas price is 300 * 4 = 1200. Gas price in 10 years is 1200 * 10 = 12000.</a:t>
+            </a:r>
+          </a:p>
+          <a:p>
+            <a:pPr lvl="2"/>
+            <a:r>
+              <a:rPr lang="en-US" sz="2300" dirty="0"/>
+              <a:t>Total price of A is 25000 + 12000 = 37000.</a:t>
+            </a:r>
+          </a:p>
+          <a:p>
+            <a:pPr lvl="1"/>
+            <a:r>
+              <a:rPr lang="en-US" sz="2600" dirty="0"/>
+              <a:t>Car 2 uses 15000 / 30 = 500 gallons annually. Annual gas price is 500 * 4 = 2000. Gas price in 10 years is 2000 * 10 = 20000.</a:t>
+            </a:r>
+          </a:p>
+          <a:p>
+            <a:pPr lvl="2"/>
+            <a:r>
+              <a:rPr lang="en-US" sz="2300" dirty="0"/>
+              <a:t>Total price of B is 20000 + 20000 = 40000.</a:t>
+            </a:r>
+          </a:p>
+        </p:txBody>
+      </p:sp>
+      <p:sp>
+        <p:nvSpPr>
+          <p:cNvPr id="4" name="Footer Placeholder 3">
+            <a:extLst>
+              <a:ext uri="{FF2B5EF4-FFF2-40B4-BE49-F238E27FC236}">
+                <a16:creationId xmlns:a16="http://schemas.microsoft.com/office/drawing/2014/main" id="{4C9D0123-8469-EB42-8675-73109CE34AA3}"/>
+              </a:ext>
+            </a:extLst>
+          </p:cNvPr>
+          <p:cNvSpPr>
+            <a:spLocks noGrp="1"/>
+          </p:cNvSpPr>
+          <p:nvPr>
+            <p:ph type="ftr" sz="quarter" idx="10"/>
+          </p:nvPr>
+        </p:nvSpPr>
+        <p:spPr/>
+        <p:txBody>
+          <a:bodyPr/>
+          <a:lstStyle/>
+          <a:p>
+            <a:r>
+              <a:rPr lang="en-US" altLang="en-US"/>
+              <a:t>Big C++ by Cay Horstmann</a:t>
+            </a:r>
+          </a:p>
+          <a:p>
+            <a:r>
+              <a:rPr lang="en-US" altLang="en-US"/>
+              <a:t>Copyright © 2008 by John Wiley &amp; Sons. All rights reserved</a:t>
+            </a:r>
+            <a:endParaRPr lang="en-US" altLang="en-US" dirty="0"/>
+          </a:p>
+        </p:txBody>
+      </p:sp>
+      <p:graphicFrame>
+        <p:nvGraphicFramePr>
+          <p:cNvPr id="5" name="Table 5">
+            <a:extLst>
+              <a:ext uri="{FF2B5EF4-FFF2-40B4-BE49-F238E27FC236}">
+                <a16:creationId xmlns:a16="http://schemas.microsoft.com/office/drawing/2014/main" id="{281B2C27-DF6F-5143-BD51-59A05A3B75B2}"/>
+              </a:ext>
+            </a:extLst>
+          </p:cNvPr>
+          <p:cNvGraphicFramePr>
+            <a:graphicFrameLocks noGrp="1"/>
+          </p:cNvGraphicFramePr>
+          <p:nvPr>
+            <p:extLst>
+              <p:ext uri="{D42A27DB-BD31-4B8C-83A1-F6EECF244321}">
+                <p14:modId xmlns:p14="http://schemas.microsoft.com/office/powerpoint/2010/main" val="2279779635"/>
+              </p:ext>
+            </p:extLst>
+          </p:nvPr>
+        </p:nvGraphicFramePr>
+        <p:xfrm>
+          <a:off x="1523999" y="825500"/>
+          <a:ext cx="5562600" cy="1112520"/>
+        </p:xfrm>
+        <a:graphic>
+          <a:graphicData uri="http://schemas.openxmlformats.org/drawingml/2006/table">
+            <a:tbl>
+              <a:tblPr firstRow="1" bandRow="1">
+                <a:tableStyleId>{21E4AEA4-8DFA-4A89-87EB-49C32662AFE0}</a:tableStyleId>
+              </a:tblPr>
+              <a:tblGrid>
+                <a:gridCol w="762001">
+                  <a:extLst>
+                    <a:ext uri="{9D8B030D-6E8A-4147-A177-3AD203B41FA5}">
+                      <a16:colId xmlns:a16="http://schemas.microsoft.com/office/drawing/2014/main" val="3750443778"/>
+                    </a:ext>
+                  </a:extLst>
+                </a:gridCol>
+                <a:gridCol w="1862667">
+                  <a:extLst>
+                    <a:ext uri="{9D8B030D-6E8A-4147-A177-3AD203B41FA5}">
+                      <a16:colId xmlns:a16="http://schemas.microsoft.com/office/drawing/2014/main" val="4123283738"/>
+                    </a:ext>
+                  </a:extLst>
+                </a:gridCol>
+                <a:gridCol w="2937932">
+                  <a:extLst>
+                    <a:ext uri="{9D8B030D-6E8A-4147-A177-3AD203B41FA5}">
+                      <a16:colId xmlns:a16="http://schemas.microsoft.com/office/drawing/2014/main" val="1757148020"/>
+                    </a:ext>
+                  </a:extLst>
+                </a:gridCol>
+              </a:tblGrid>
+              <a:tr h="370840">
+                <a:tc>
+                  <a:txBody>
+                    <a:bodyPr/>
+                    <a:lstStyle/>
+                    <a:p>
+                      <a:r>
+                        <a:rPr lang="en-US" dirty="0"/>
+                        <a:t>Cars</a:t>
+                      </a:r>
+                    </a:p>
+                  </a:txBody>
+                  <a:tcPr/>
+                </a:tc>
+                <a:tc>
+                  <a:txBody>
+                    <a:bodyPr/>
+                    <a:lstStyle/>
+                    <a:p>
+                      <a:r>
+                        <a:rPr lang="en-US" dirty="0"/>
+                        <a:t>Purchase Price</a:t>
+                      </a:r>
+                    </a:p>
+                  </a:txBody>
+                  <a:tcPr/>
+                </a:tc>
+                <a:tc>
+                  <a:txBody>
+                    <a:bodyPr/>
+                    <a:lstStyle/>
+                    <a:p>
+                      <a:r>
+                        <a:rPr lang="en-US" dirty="0"/>
+                        <a:t>Fuel Efficiency (in mpg)</a:t>
+                      </a:r>
+                    </a:p>
+                  </a:txBody>
+                  <a:tcPr/>
+                </a:tc>
+                <a:extLst>
+                  <a:ext uri="{0D108BD9-81ED-4DB2-BD59-A6C34878D82A}">
+                    <a16:rowId xmlns:a16="http://schemas.microsoft.com/office/drawing/2014/main" val="467434234"/>
+                  </a:ext>
+                </a:extLst>
+              </a:tr>
+              <a:tr h="370840">
+                <a:tc>
+                  <a:txBody>
+                    <a:bodyPr/>
+                    <a:lstStyle/>
+                    <a:p>
+                      <a:r>
+                        <a:rPr lang="en-US" dirty="0"/>
+                        <a:t>1</a:t>
+                      </a:r>
+                    </a:p>
+                  </a:txBody>
+                  <a:tcPr/>
+                </a:tc>
+                <a:tc>
+                  <a:txBody>
+                    <a:bodyPr/>
+                    <a:lstStyle/>
+                    <a:p>
+                      <a:r>
+                        <a:rPr lang="en-US" dirty="0"/>
+                        <a:t>25000</a:t>
+                      </a:r>
+                    </a:p>
+                  </a:txBody>
+                  <a:tcPr/>
+                </a:tc>
+                <a:tc>
+                  <a:txBody>
+                    <a:bodyPr/>
+                    <a:lstStyle/>
+                    <a:p>
+                      <a:r>
+                        <a:rPr lang="en-US" dirty="0"/>
+                        <a:t>50</a:t>
+                      </a:r>
+                    </a:p>
+                  </a:txBody>
+                  <a:tcPr/>
+                </a:tc>
+                <a:extLst>
+                  <a:ext uri="{0D108BD9-81ED-4DB2-BD59-A6C34878D82A}">
+                    <a16:rowId xmlns:a16="http://schemas.microsoft.com/office/drawing/2014/main" val="2365032404"/>
+                  </a:ext>
+                </a:extLst>
+              </a:tr>
+              <a:tr h="370840">
+                <a:tc>
+                  <a:txBody>
+                    <a:bodyPr/>
+                    <a:lstStyle/>
+                    <a:p>
+                      <a:r>
+                        <a:rPr lang="en-US" sz="1800" b="0" i="0" kern="1200" dirty="0">
+                          <a:solidFill>
+                            <a:schemeClr val="dk1"/>
+                          </a:solidFill>
+                          <a:effectLst/>
+                          <a:latin typeface="+mn-lt"/>
+                          <a:ea typeface="+mn-ea"/>
+                          <a:cs typeface="+mn-cs"/>
+                        </a:rPr>
+                        <a:t>2</a:t>
+                      </a:r>
+                      <a:endParaRPr lang="en-US" dirty="0"/>
+                    </a:p>
+                  </a:txBody>
+                  <a:tcPr/>
+                </a:tc>
+                <a:tc>
+                  <a:txBody>
+                    <a:bodyPr/>
+                    <a:lstStyle/>
+                    <a:p>
+                      <a:r>
+                        <a:rPr lang="en-US" dirty="0"/>
+                        <a:t>20000</a:t>
+                      </a:r>
+                    </a:p>
+                  </a:txBody>
+                  <a:tcPr/>
+                </a:tc>
+                <a:tc>
+                  <a:txBody>
+                    <a:bodyPr/>
+                    <a:lstStyle/>
+                    <a:p>
+                      <a:r>
+                        <a:rPr lang="en-US" dirty="0"/>
+                        <a:t>30</a:t>
+                      </a:r>
+                    </a:p>
+                  </a:txBody>
+                  <a:tcPr/>
+                </a:tc>
+                <a:extLst>
+                  <a:ext uri="{0D108BD9-81ED-4DB2-BD59-A6C34878D82A}">
+                    <a16:rowId xmlns:a16="http://schemas.microsoft.com/office/drawing/2014/main" val="2224126534"/>
+                  </a:ext>
+                </a:extLst>
+              </a:tr>
+            </a:tbl>
+          </a:graphicData>
+        </a:graphic>
+      </p:graphicFrame>
+    </p:spTree>
+    <p:extLst>
+      <p:ext uri="{BB962C8B-B14F-4D97-AF65-F5344CB8AC3E}">
+        <p14:creationId xmlns:p14="http://schemas.microsoft.com/office/powerpoint/2010/main" val="3486219880"/>
+      </p:ext>
+    </p:extLst>
+  </p:cSld>
+  <p:clrMapOvr>
+    <a:masterClrMapping/>
+  </p:clrMapOvr>
+</p:sld>
+</file>
+
+<file path=ppt/slides/slide8.xml><?xml version="1.0" encoding="utf-8"?>
 <p:sld xmlns:a="http://schemas.openxmlformats.org/drawingml/2006/main" xmlns:r="http://schemas.openxmlformats.org/officeDocument/2006/relationships" xmlns:p="http://schemas.openxmlformats.org/presentationml/2006/main">
   <p:cSld>
     <p:spTree>
@@ -6285,7 +7148,7 @@
 </p:sld>
 </file>
 
-<file path=ppt/slides/slide8.xml><?xml version="1.0" encoding="utf-8"?>
+<file path=ppt/slides/slide9.xml><?xml version="1.0" encoding="utf-8"?>
 <p:sld xmlns:a="http://schemas.openxmlformats.org/drawingml/2006/main" xmlns:r="http://schemas.openxmlformats.org/officeDocument/2006/relationships" xmlns:p="http://schemas.openxmlformats.org/presentationml/2006/main">
   <p:cSld>
     <p:spTree>
@@ -6483,474 +7346,6 @@
       <p:sp>
         <p:nvSpPr>
           <p:cNvPr id="76804" name="Footer Placeholder 3"/>
-          <p:cNvSpPr txBox="1">
-            <a:spLocks noGrp="1"/>
-          </p:cNvSpPr>
-          <p:nvPr/>
-        </p:nvSpPr>
-        <p:spPr bwMode="auto">
-          <a:xfrm>
-            <a:off x="3810000" y="6324600"/>
-            <a:ext cx="5257800" cy="381000"/>
-          </a:xfrm>
-          <a:prstGeom prst="rect">
-            <a:avLst/>
-          </a:prstGeom>
-          <a:noFill/>
-          <a:ln>
-            <a:noFill/>
-          </a:ln>
-          <a:extLst>
-            <a:ext uri="{909E8E84-426E-40DD-AFC4-6F175D3DCCD1}">
-              <a14:hiddenFill xmlns:a14="http://schemas.microsoft.com/office/drawing/2010/main">
-                <a:solidFill>
-                  <a:srgbClr val="FFFFFF"/>
-                </a:solidFill>
-              </a14:hiddenFill>
-            </a:ext>
-            <a:ext uri="{91240B29-F687-4F45-9708-019B960494DF}">
-              <a14:hiddenLine xmlns:a14="http://schemas.microsoft.com/office/drawing/2010/main" w="9525">
-                <a:solidFill>
-                  <a:srgbClr val="000000"/>
-                </a:solidFill>
-                <a:miter lim="800000"/>
-                <a:headEnd/>
-                <a:tailEnd/>
-              </a14:hiddenLine>
-            </a:ext>
-          </a:extLst>
-        </p:spPr>
-        <p:txBody>
-          <a:bodyPr/>
-          <a:lstStyle>
-            <a:lvl1pPr eaLnBrk="0" hangingPunct="0">
-              <a:defRPr sz="2000" b="1" i="1">
-                <a:solidFill>
-                  <a:schemeClr val="tx1"/>
-                </a:solidFill>
-                <a:latin typeface="Courier New" panose="02070309020205020404" pitchFamily="49" charset="0"/>
-                <a:ea typeface="MS PGothic" panose="020B0600070205080204" pitchFamily="34" charset="-128"/>
-              </a:defRPr>
-            </a:lvl1pPr>
-            <a:lvl2pPr marL="37931725" indent="-37474525" eaLnBrk="0" hangingPunct="0">
-              <a:defRPr sz="2000" b="1" i="1">
-                <a:solidFill>
-                  <a:schemeClr val="tx1"/>
-                </a:solidFill>
-                <a:latin typeface="Courier New" panose="02070309020205020404" pitchFamily="49" charset="0"/>
-                <a:ea typeface="MS PGothic" panose="020B0600070205080204" pitchFamily="34" charset="-128"/>
-              </a:defRPr>
-            </a:lvl2pPr>
-            <a:lvl3pPr eaLnBrk="0" hangingPunct="0">
-              <a:defRPr sz="2000" b="1" i="1">
-                <a:solidFill>
-                  <a:schemeClr val="tx1"/>
-                </a:solidFill>
-                <a:latin typeface="Courier New" panose="02070309020205020404" pitchFamily="49" charset="0"/>
-                <a:ea typeface="MS PGothic" panose="020B0600070205080204" pitchFamily="34" charset="-128"/>
-              </a:defRPr>
-            </a:lvl3pPr>
-            <a:lvl4pPr eaLnBrk="0" hangingPunct="0">
-              <a:defRPr sz="2000" b="1" i="1">
-                <a:solidFill>
-                  <a:schemeClr val="tx1"/>
-                </a:solidFill>
-                <a:latin typeface="Courier New" panose="02070309020205020404" pitchFamily="49" charset="0"/>
-                <a:ea typeface="MS PGothic" panose="020B0600070205080204" pitchFamily="34" charset="-128"/>
-              </a:defRPr>
-            </a:lvl4pPr>
-            <a:lvl5pPr eaLnBrk="0" hangingPunct="0">
-              <a:defRPr sz="2000" b="1" i="1">
-                <a:solidFill>
-                  <a:schemeClr val="tx1"/>
-                </a:solidFill>
-                <a:latin typeface="Courier New" panose="02070309020205020404" pitchFamily="49" charset="0"/>
-                <a:ea typeface="MS PGothic" panose="020B0600070205080204" pitchFamily="34" charset="-128"/>
-              </a:defRPr>
-            </a:lvl5pPr>
-            <a:lvl6pPr marL="457200" eaLnBrk="0" fontAlgn="base" hangingPunct="0">
-              <a:spcBef>
-                <a:spcPct val="0"/>
-              </a:spcBef>
-              <a:spcAft>
-                <a:spcPct val="0"/>
-              </a:spcAft>
-              <a:defRPr sz="2000" b="1" i="1">
-                <a:solidFill>
-                  <a:schemeClr val="tx1"/>
-                </a:solidFill>
-                <a:latin typeface="Courier New" panose="02070309020205020404" pitchFamily="49" charset="0"/>
-                <a:ea typeface="MS PGothic" panose="020B0600070205080204" pitchFamily="34" charset="-128"/>
-              </a:defRPr>
-            </a:lvl6pPr>
-            <a:lvl7pPr marL="914400" eaLnBrk="0" fontAlgn="base" hangingPunct="0">
-              <a:spcBef>
-                <a:spcPct val="0"/>
-              </a:spcBef>
-              <a:spcAft>
-                <a:spcPct val="0"/>
-              </a:spcAft>
-              <a:defRPr sz="2000" b="1" i="1">
-                <a:solidFill>
-                  <a:schemeClr val="tx1"/>
-                </a:solidFill>
-                <a:latin typeface="Courier New" panose="02070309020205020404" pitchFamily="49" charset="0"/>
-                <a:ea typeface="MS PGothic" panose="020B0600070205080204" pitchFamily="34" charset="-128"/>
-              </a:defRPr>
-            </a:lvl7pPr>
-            <a:lvl8pPr marL="1371600" eaLnBrk="0" fontAlgn="base" hangingPunct="0">
-              <a:spcBef>
-                <a:spcPct val="0"/>
-              </a:spcBef>
-              <a:spcAft>
-                <a:spcPct val="0"/>
-              </a:spcAft>
-              <a:defRPr sz="2000" b="1" i="1">
-                <a:solidFill>
-                  <a:schemeClr val="tx1"/>
-                </a:solidFill>
-                <a:latin typeface="Courier New" panose="02070309020205020404" pitchFamily="49" charset="0"/>
-                <a:ea typeface="MS PGothic" panose="020B0600070205080204" pitchFamily="34" charset="-128"/>
-              </a:defRPr>
-            </a:lvl8pPr>
-            <a:lvl9pPr marL="1828800" eaLnBrk="0" fontAlgn="base" hangingPunct="0">
-              <a:spcBef>
-                <a:spcPct val="0"/>
-              </a:spcBef>
-              <a:spcAft>
-                <a:spcPct val="0"/>
-              </a:spcAft>
-              <a:defRPr sz="2000" b="1" i="1">
-                <a:solidFill>
-                  <a:schemeClr val="tx1"/>
-                </a:solidFill>
-                <a:latin typeface="Courier New" panose="02070309020205020404" pitchFamily="49" charset="0"/>
-                <a:ea typeface="MS PGothic" panose="020B0600070205080204" pitchFamily="34" charset="-128"/>
-              </a:defRPr>
-            </a:lvl9pPr>
-          </a:lstStyle>
-          <a:p>
-            <a:pPr algn="r" eaLnBrk="1" hangingPunct="1"/>
-            <a:r>
-              <a:rPr lang="en-US" altLang="en-US" sz="1200" b="0" dirty="0">
-                <a:latin typeface="Arial" panose="020B0604020202020204" pitchFamily="34" charset="0"/>
-              </a:rPr>
-              <a:t>Big C++ by </a:t>
-            </a:r>
-            <a:r>
-              <a:rPr lang="en-US" altLang="en-US" sz="1200" b="0" i="0" dirty="0">
-                <a:latin typeface="Arial" panose="020B0604020202020204" pitchFamily="34" charset="0"/>
-              </a:rPr>
-              <a:t>Cay </a:t>
-            </a:r>
-            <a:r>
-              <a:rPr lang="en-US" altLang="en-US" sz="1200" b="0" i="0" dirty="0" err="1">
-                <a:latin typeface="Arial" panose="020B0604020202020204" pitchFamily="34" charset="0"/>
-              </a:rPr>
-              <a:t>Horstmann</a:t>
-            </a:r>
-            <a:endParaRPr lang="en-US" altLang="en-US" sz="1200" b="0" i="0" dirty="0">
-              <a:latin typeface="Arial" panose="020B0604020202020204" pitchFamily="34" charset="0"/>
-            </a:endParaRPr>
-          </a:p>
-          <a:p>
-            <a:pPr algn="r" eaLnBrk="1" hangingPunct="1"/>
-            <a:r>
-              <a:rPr lang="en-US" altLang="en-US" sz="1200" b="0" i="0" dirty="0">
-                <a:latin typeface="Arial" panose="020B0604020202020204" pitchFamily="34" charset="0"/>
-              </a:rPr>
-              <a:t>Copyright © 2017 by John Wiley &amp; Sons. All rights reserved</a:t>
-            </a:r>
-          </a:p>
-        </p:txBody>
-      </p:sp>
-    </p:spTree>
-  </p:cSld>
-  <p:clrMapOvr>
-    <a:masterClrMapping/>
-  </p:clrMapOvr>
-</p:sld>
-</file>
-
-<file path=ppt/slides/slide9.xml><?xml version="1.0" encoding="utf-8"?>
-<p:sld xmlns:a="http://schemas.openxmlformats.org/drawingml/2006/main" xmlns:r="http://schemas.openxmlformats.org/officeDocument/2006/relationships" xmlns:p="http://schemas.openxmlformats.org/presentationml/2006/main">
-  <p:cSld>
-    <p:spTree>
-      <p:nvGrpSpPr>
-        <p:cNvPr id="1" name=""/>
-        <p:cNvGrpSpPr/>
-        <p:nvPr/>
-      </p:nvGrpSpPr>
-      <p:grpSpPr>
-        <a:xfrm>
-          <a:off x="0" y="0"/>
-          <a:ext cx="0" cy="0"/>
-          <a:chOff x="0" y="0"/>
-          <a:chExt cx="0" cy="0"/>
-        </a:xfrm>
-      </p:grpSpPr>
-      <p:sp>
-        <p:nvSpPr>
-          <p:cNvPr id="77826" name="Rectangle 3"/>
-          <p:cNvSpPr>
-            <a:spLocks noGrp="1" noChangeArrowheads="1"/>
-          </p:cNvSpPr>
-          <p:nvPr>
-            <p:ph type="body" idx="1"/>
-          </p:nvPr>
-        </p:nvSpPr>
-        <p:spPr>
-          <a:xfrm>
-            <a:off x="457200" y="946150"/>
-            <a:ext cx="8686800" cy="4876800"/>
-          </a:xfrm>
-        </p:spPr>
-        <p:txBody>
-          <a:bodyPr/>
-          <a:lstStyle/>
-          <a:p>
-            <a:pPr marL="0" indent="0" eaLnBrk="1" hangingPunct="1">
-              <a:lnSpc>
-                <a:spcPct val="80000"/>
-              </a:lnSpc>
-              <a:buFontTx/>
-              <a:buNone/>
-            </a:pPr>
-            <a:r>
-              <a:rPr lang="en-US" altLang="en-US" sz="2400" b="1" dirty="0"/>
-              <a:t>Step 3    </a:t>
-            </a:r>
-            <a:r>
-              <a:rPr lang="en-US" altLang="en-US" sz="2400" dirty="0"/>
-              <a:t>Describe each subtask in pseudocode.</a:t>
-            </a:r>
-            <a:br>
-              <a:rPr lang="en-US" altLang="en-US" sz="2400" dirty="0"/>
-            </a:br>
-            <a:br>
-              <a:rPr lang="en-US" altLang="en-US" sz="2400" dirty="0"/>
-            </a:br>
-            <a:r>
-              <a:rPr lang="en-US" altLang="en-US" sz="2400" dirty="0"/>
-              <a:t>You will need to arrange the steps so that any intermediate values are computed before they are needed in other computations.</a:t>
-            </a:r>
-          </a:p>
-          <a:p>
-            <a:pPr marL="0" indent="0" eaLnBrk="1" hangingPunct="1">
-              <a:lnSpc>
-                <a:spcPct val="80000"/>
-              </a:lnSpc>
-              <a:buFontTx/>
-              <a:buNone/>
-            </a:pPr>
-            <a:endParaRPr lang="en-US" altLang="en-US" sz="2000" dirty="0"/>
-          </a:p>
-          <a:p>
-            <a:pPr marL="0" indent="0" eaLnBrk="1" hangingPunct="1">
-              <a:lnSpc>
-                <a:spcPct val="80000"/>
-              </a:lnSpc>
-              <a:buFontTx/>
-              <a:buNone/>
-            </a:pPr>
-            <a:r>
-              <a:rPr lang="en-US" altLang="en-US" sz="2000" b="1" dirty="0">
-                <a:latin typeface="Comic Sans MS" panose="030F0702030302020204" pitchFamily="66" charset="0"/>
-              </a:rPr>
-              <a:t>For each car, compute the total cost as follows: </a:t>
-            </a:r>
-          </a:p>
-          <a:p>
-            <a:pPr marL="0" indent="0" eaLnBrk="1" hangingPunct="1">
-              <a:lnSpc>
-                <a:spcPct val="80000"/>
-              </a:lnSpc>
-              <a:buFontTx/>
-              <a:buNone/>
-            </a:pPr>
-            <a:endParaRPr lang="en-US" altLang="en-US" sz="2000" b="1" dirty="0">
-              <a:latin typeface="Comic Sans MS" panose="030F0702030302020204" pitchFamily="66" charset="0"/>
-            </a:endParaRPr>
-          </a:p>
-          <a:p>
-            <a:pPr marL="0" indent="0" eaLnBrk="1" hangingPunct="1">
-              <a:lnSpc>
-                <a:spcPct val="80000"/>
-              </a:lnSpc>
-              <a:buFontTx/>
-              <a:buNone/>
-            </a:pPr>
-            <a:r>
-              <a:rPr lang="en-US" altLang="en-US" sz="2000" b="1" i="1" dirty="0">
-                <a:latin typeface="Comic Sans MS" panose="030F0702030302020204" pitchFamily="66" charset="0"/>
-              </a:rPr>
-              <a:t>       </a:t>
-            </a:r>
-            <a:r>
-              <a:rPr lang="en-US" altLang="en-US" sz="2000" b="1" dirty="0">
-                <a:latin typeface="Comic Sans MS" panose="030F0702030302020204" pitchFamily="66" charset="0"/>
-              </a:rPr>
-              <a:t>annual fuel consumed = annual miles driven / fuel efficiency</a:t>
-            </a:r>
-          </a:p>
-          <a:p>
-            <a:pPr marL="0" indent="0" eaLnBrk="1" hangingPunct="1">
-              <a:lnSpc>
-                <a:spcPct val="80000"/>
-              </a:lnSpc>
-              <a:buFontTx/>
-              <a:buNone/>
-            </a:pPr>
-            <a:r>
-              <a:rPr lang="en-US" altLang="en-US" sz="2000" b="1" dirty="0">
-                <a:latin typeface="Comic Sans MS" panose="030F0702030302020204" pitchFamily="66" charset="0"/>
-              </a:rPr>
-              <a:t>       annual fuel cost = price per gallon x annual fuel consumed </a:t>
-            </a:r>
-          </a:p>
-          <a:p>
-            <a:pPr marL="0" indent="0" eaLnBrk="1" hangingPunct="1">
-              <a:lnSpc>
-                <a:spcPct val="80000"/>
-              </a:lnSpc>
-              <a:buFontTx/>
-              <a:buNone/>
-            </a:pPr>
-            <a:r>
-              <a:rPr lang="en-US" altLang="en-US" sz="2000" b="1" dirty="0">
-                <a:latin typeface="Comic Sans MS" panose="030F0702030302020204" pitchFamily="66" charset="0"/>
-              </a:rPr>
-              <a:t>       operating cost = 10 x annual fuel cost</a:t>
-            </a:r>
-          </a:p>
-          <a:p>
-            <a:pPr marL="0" indent="0" eaLnBrk="1" hangingPunct="1">
-              <a:lnSpc>
-                <a:spcPct val="80000"/>
-              </a:lnSpc>
-              <a:buFontTx/>
-              <a:buNone/>
-            </a:pPr>
-            <a:r>
-              <a:rPr lang="en-US" altLang="en-US" sz="2000" b="1" dirty="0">
-                <a:latin typeface="Comic Sans MS" panose="030F0702030302020204" pitchFamily="66" charset="0"/>
-              </a:rPr>
-              <a:t>       total cost = purchase price + operating cost</a:t>
-            </a:r>
-          </a:p>
-          <a:p>
-            <a:pPr marL="0" indent="0" eaLnBrk="1" hangingPunct="1">
-              <a:lnSpc>
-                <a:spcPct val="80000"/>
-              </a:lnSpc>
-              <a:buFontTx/>
-              <a:buNone/>
-            </a:pPr>
-            <a:endParaRPr lang="en-US" altLang="en-US" sz="2000" b="1" i="1" dirty="0">
-              <a:latin typeface="Comic Sans MS" panose="030F0702030302020204" pitchFamily="66" charset="0"/>
-            </a:endParaRPr>
-          </a:p>
-          <a:p>
-            <a:pPr marL="0" indent="0" eaLnBrk="1" hangingPunct="1">
-              <a:lnSpc>
-                <a:spcPct val="80000"/>
-              </a:lnSpc>
-              <a:buFontTx/>
-              <a:buNone/>
-            </a:pPr>
-            <a:r>
-              <a:rPr lang="en-US" altLang="en-US" sz="2000" b="1" dirty="0">
-                <a:latin typeface="Comic Sans MS" panose="030F0702030302020204" pitchFamily="66" charset="0"/>
-              </a:rPr>
-              <a:t>If total cost1 &lt; total cost2</a:t>
-            </a:r>
-          </a:p>
-          <a:p>
-            <a:pPr marL="0" indent="0" eaLnBrk="1" hangingPunct="1">
-              <a:lnSpc>
-                <a:spcPct val="80000"/>
-              </a:lnSpc>
-              <a:buFontTx/>
-              <a:buNone/>
-            </a:pPr>
-            <a:r>
-              <a:rPr lang="en-US" altLang="en-US" sz="2000" b="1" dirty="0">
-                <a:latin typeface="Comic Sans MS" panose="030F0702030302020204" pitchFamily="66" charset="0"/>
-              </a:rPr>
-              <a:t>       Choose car1</a:t>
-            </a:r>
-          </a:p>
-          <a:p>
-            <a:pPr marL="0" indent="0" eaLnBrk="1" hangingPunct="1">
-              <a:lnSpc>
-                <a:spcPct val="80000"/>
-              </a:lnSpc>
-              <a:buFontTx/>
-              <a:buNone/>
-            </a:pPr>
-            <a:r>
-              <a:rPr lang="en-US" altLang="en-US" sz="2000" b="1" dirty="0">
-                <a:latin typeface="Comic Sans MS" panose="030F0702030302020204" pitchFamily="66" charset="0"/>
-              </a:rPr>
-              <a:t>Else</a:t>
-            </a:r>
-          </a:p>
-          <a:p>
-            <a:pPr marL="0" indent="0" eaLnBrk="1" hangingPunct="1">
-              <a:lnSpc>
-                <a:spcPct val="80000"/>
-              </a:lnSpc>
-              <a:buFontTx/>
-              <a:buNone/>
-            </a:pPr>
-            <a:r>
-              <a:rPr lang="en-US" altLang="en-US" sz="2000" b="1" dirty="0">
-                <a:latin typeface="Comic Sans MS" panose="030F0702030302020204" pitchFamily="66" charset="0"/>
-              </a:rPr>
-              <a:t>       Choose car2</a:t>
-            </a:r>
-            <a:endParaRPr lang="en-US" altLang="en-US" sz="2400" b="1" dirty="0">
-              <a:latin typeface="Comic Sans MS" panose="030F0702030302020204" pitchFamily="66" charset="0"/>
-            </a:endParaRPr>
-          </a:p>
-          <a:p>
-            <a:pPr marL="0" indent="0" eaLnBrk="1" hangingPunct="1">
-              <a:lnSpc>
-                <a:spcPct val="80000"/>
-              </a:lnSpc>
-              <a:buFontTx/>
-              <a:buNone/>
-            </a:pPr>
-            <a:endParaRPr lang="en-US" altLang="en-US" sz="2400" dirty="0"/>
-          </a:p>
-        </p:txBody>
-      </p:sp>
-      <p:sp>
-        <p:nvSpPr>
-          <p:cNvPr id="77827" name="Rectangle 2"/>
-          <p:cNvSpPr>
-            <a:spLocks noGrp="1" noChangeArrowheads="1"/>
-          </p:cNvSpPr>
-          <p:nvPr>
-            <p:ph type="title"/>
-          </p:nvPr>
-        </p:nvSpPr>
-        <p:spPr/>
-        <p:txBody>
-          <a:bodyPr/>
-          <a:lstStyle/>
-          <a:p>
-            <a:pPr eaLnBrk="1" hangingPunct="1"/>
-            <a:r>
-              <a:rPr lang="en-US" altLang="en-US" dirty="0"/>
-              <a:t>Algorithm Pseudocode, Step 3</a:t>
-            </a:r>
-          </a:p>
-        </p:txBody>
-      </p:sp>
-      <p:sp>
-        <p:nvSpPr>
-          <p:cNvPr id="77831" name="Footer Placeholder 3"/>
           <p:cNvSpPr txBox="1">
             <a:spLocks noGrp="1"/>
           </p:cNvSpPr>
